--- a/HARDWARE/01 射频/01 射频基本概念/射频基本概念总结.pptx
+++ b/HARDWARE/01 射频/01 射频基本概念/射频基本概念总结.pptx
@@ -115,25 +115,6 @@
     </a:lvl9pPr>
   </p:defaultTextStyle>
   <p:extLst>
-    <p:ext uri="{521415D9-36F7-43E2-AB2F-B90AF26B5E84}">
-      <p14:sectionLst xmlns:p14="http://schemas.microsoft.com/office/powerpoint/2010/main">
-        <p14:section name="标题" id="{E75E278A-FF0E-49A4-B170-79828D63BBAD}">
-          <p14:sldIdLst/>
-        </p14:section>
-        <p14:section name="内容" id="{B9B51309-D148-4332-87C2-07BE32FBCA3B}">
-          <p14:sldIdLst>
-            <p14:sldId id="284"/>
-            <p14:sldId id="285"/>
-            <p14:sldId id="286"/>
-            <p14:sldId id="291"/>
-            <p14:sldId id="293"/>
-          </p14:sldIdLst>
-        </p14:section>
-        <p14:section name="备注" id="{2CC34DB2-6590-42C0-AD4B-A04C6060184E}">
-          <p14:sldIdLst/>
-        </p14:section>
-      </p14:sectionLst>
-    </p:ext>
     <p:ext uri="{EFAFB233-063F-42B5-8137-9DF3F51BA10A}">
       <p15:sldGuideLst xmlns:p15="http://schemas.microsoft.com/office/powerpoint/2012/main">
         <p15:guide id="1" orient="horz" pos="2160" userDrawn="1">
@@ -251,7 +232,7 @@
                 <a:latin typeface="Microsoft YaHei UI" panose="020B0503020204020204" pitchFamily="34" charset="-122"/>
                 <a:ea typeface="Microsoft YaHei UI" panose="020B0503020204020204" pitchFamily="34" charset="-122"/>
               </a:rPr>
-              <a:t>2022/8/21</a:t>
+              <a:t>2022/8/22</a:t>
             </a:fld>
             <a:endParaRPr lang="zh-CN" altLang="en-US" dirty="0">
               <a:latin typeface="Microsoft YaHei UI" panose="020B0503020204020204" pitchFamily="34" charset="-122"/>
@@ -437,7 +418,7 @@
             <a:fld id="{56F2ECAB-FF34-48C3-94CF-D49698A33E3C}" type="datetime1">
               <a:rPr lang="zh-CN" altLang="en-US" smtClean="0"/>
               <a:pPr/>
-              <a:t>2022/8/21</a:t>
+              <a:t>2022/8/22</a:t>
             </a:fld>
             <a:endParaRPr lang="zh-CN" altLang="en-US" dirty="0"/>
           </a:p>
@@ -1631,7 +1612,7 @@
           <a:p>
             <a:fld id="{3CF7612A-7C7D-41EF-9275-BA82F6A6A076}" type="datetime1">
               <a:rPr lang="zh-CN" altLang="en-US" smtClean="0"/>
-              <a:t>2022/8/21</a:t>
+              <a:t>2022/8/22</a:t>
             </a:fld>
             <a:endParaRPr lang="zh-CN" altLang="en-US"/>
           </a:p>
@@ -2310,7 +2291,7 @@
           <a:p>
             <a:fld id="{03B070BE-7F39-4CFE-B298-8B89566852DF}" type="datetime1">
               <a:rPr lang="zh-CN" altLang="en-US" smtClean="0"/>
-              <a:t>2022/8/21</a:t>
+              <a:t>2022/8/22</a:t>
             </a:fld>
             <a:endParaRPr lang="zh-CN" altLang="en-US"/>
           </a:p>
@@ -2800,14 +2781,6 @@
           <a:lstStyle/>
           <a:p>
             <a:r>
-              <a:rPr lang="zh-CN" altLang="en-US" b="1" dirty="0">
-                <a:solidFill>
-                  <a:srgbClr val="0070C0"/>
-                </a:solidFill>
-              </a:rPr>
-              <a:t>解密</a:t>
-            </a:r>
-            <a:r>
               <a:rPr lang="en-US" altLang="zh-CN" b="1" dirty="0">
                 <a:solidFill>
                   <a:srgbClr val="0070C0"/>
@@ -2821,23 +2794,7 @@
                   <a:srgbClr val="0070C0"/>
                 </a:solidFill>
               </a:rPr>
-              <a:t>信号链：特性和性能指标（第</a:t>
-            </a:r>
-            <a:r>
-              <a:rPr lang="en-US" altLang="zh-CN" b="1" dirty="0">
-                <a:solidFill>
-                  <a:srgbClr val="0070C0"/>
-                </a:solidFill>
-              </a:rPr>
-              <a:t>1</a:t>
-            </a:r>
-            <a:r>
-              <a:rPr lang="zh-CN" altLang="en-US" b="1" dirty="0">
-                <a:solidFill>
-                  <a:srgbClr val="0070C0"/>
-                </a:solidFill>
-              </a:rPr>
-              <a:t>部分）</a:t>
+              <a:t>信号链：特性和性能指标</a:t>
             </a:r>
           </a:p>
         </p:txBody>
@@ -3386,10 +3343,6 @@
           <a:bodyPr/>
           <a:lstStyle/>
           <a:p>
-            <a:r>
-              <a:rPr lang="en-US" altLang="zh-CN" dirty="0"/>
-              <a:t>Notes</a:t>
-            </a:r>
             <a:endParaRPr lang="zh-CN" altLang="en-US" dirty="0"/>
           </a:p>
         </p:txBody>
@@ -4679,10 +4632,9 @@
           <a:lstStyle/>
           <a:p>
             <a:r>
-              <a:rPr lang="en-US" altLang="zh-CN" dirty="0"/>
-              <a:t>Notes</a:t>
+              <a:rPr lang="zh-CN" altLang="en-US" dirty="0"/>
+              <a:t>非线性</a:t>
             </a:r>
-            <a:endParaRPr lang="zh-CN" altLang="en-US" dirty="0"/>
           </a:p>
         </p:txBody>
       </p:sp>
@@ -6436,7 +6388,7 @@
           <a:p>
             <a:r>
               <a:rPr lang="en-US" altLang="zh-CN" dirty="0"/>
-              <a:t>Notes</a:t>
+              <a:t>IP3</a:t>
             </a:r>
             <a:endParaRPr lang="zh-CN" altLang="en-US" dirty="0"/>
           </a:p>
@@ -14072,7 +14024,7 @@
           <a:p>
             <a:r>
               <a:rPr lang="en-US" altLang="zh-CN" dirty="0"/>
-              <a:t>Notes</a:t>
+              <a:t>IP3</a:t>
             </a:r>
             <a:endParaRPr lang="zh-CN" altLang="en-US" dirty="0"/>
           </a:p>
@@ -26657,15 +26609,6 @@
 </file>
 
 <file path=customXml/item2.xml><?xml version="1.0" encoding="utf-8"?>
-<p:properties xmlns:p="http://schemas.microsoft.com/office/2006/metadata/properties" xmlns:xsi="http://www.w3.org/2001/XMLSchema-instance" xmlns:pc="http://schemas.microsoft.com/office/infopath/2007/PartnerControls">
-  <documentManagement>
-    <Status xmlns="71af3243-3dd4-4a8d-8c0d-dd76da1f02a5">Not started</Status>
-    <MediaServiceKeyPoints xmlns="71af3243-3dd4-4a8d-8c0d-dd76da1f02a5" xsi:nil="true"/>
-  </documentManagement>
-</p:properties>
-</file>
-
-<file path=customXml/item3.xml><?xml version="1.0" encoding="utf-8"?>
 <ct:contentTypeSchema xmlns:ct="http://schemas.microsoft.com/office/2006/metadata/contentType" xmlns:ma="http://schemas.microsoft.com/office/2006/metadata/properties/metaAttributes" ct:_="" ma:_="" ma:contentTypeName="Document" ma:contentTypeID="0x01010079F111ED35F8CC479449609E8A0923A6" ma:contentTypeVersion="12" ma:contentTypeDescription="Create a new document." ma:contentTypeScope="" ma:versionID="a8a52e8c320b9a064ae3583ae3861c92">
   <xsd:schema xmlns:xsd="http://www.w3.org/2001/XMLSchema" xmlns:xs="http://www.w3.org/2001/XMLSchema" xmlns:p="http://schemas.microsoft.com/office/2006/metadata/properties" xmlns:ns2="71af3243-3dd4-4a8d-8c0d-dd76da1f02a5" xmlns:ns3="16c05727-aa75-4e4a-9b5f-8a80a1165891" targetNamespace="http://schemas.microsoft.com/office/2006/metadata/properties" ma:root="true" ma:fieldsID="88020cb39231a0945110f9cd888b521a" ns2:_="" ns3:_="">
     <xsd:import namespace="71af3243-3dd4-4a8d-8c0d-dd76da1f02a5"/>
@@ -26886,6 +26829,15 @@
 </ct:contentTypeSchema>
 </file>
 
+<file path=customXml/item3.xml><?xml version="1.0" encoding="utf-8"?>
+<p:properties xmlns:p="http://schemas.microsoft.com/office/2006/metadata/properties" xmlns:xsi="http://www.w3.org/2001/XMLSchema-instance" xmlns:pc="http://schemas.microsoft.com/office/infopath/2007/PartnerControls">
+  <documentManagement>
+    <Status xmlns="71af3243-3dd4-4a8d-8c0d-dd76da1f02a5">Not started</Status>
+    <MediaServiceKeyPoints xmlns="71af3243-3dd4-4a8d-8c0d-dd76da1f02a5" xsi:nil="true"/>
+  </documentManagement>
+</p:properties>
+</file>
+
 <file path=customXml/itemProps1.xml><?xml version="1.0" encoding="utf-8"?>
 <ds:datastoreItem xmlns:ds="http://schemas.openxmlformats.org/officeDocument/2006/customXml" ds:itemID="{7EE8C63A-4744-4DE4-BB49-0FF0B5375C60}">
   <ds:schemaRefs>
@@ -26895,23 +26847,6 @@
 </file>
 
 <file path=customXml/itemProps2.xml><?xml version="1.0" encoding="utf-8"?>
-<ds:datastoreItem xmlns:ds="http://schemas.openxmlformats.org/officeDocument/2006/customXml" ds:itemID="{950072C5-DDE0-4258-BA7A-4D4B80DFA632}">
-  <ds:schemaRefs>
-    <ds:schemaRef ds:uri="http://schemas.microsoft.com/office/2006/documentManagement/types"/>
-    <ds:schemaRef ds:uri="http://purl.org/dc/dcmitype/"/>
-    <ds:schemaRef ds:uri="16c05727-aa75-4e4a-9b5f-8a80a1165891"/>
-    <ds:schemaRef ds:uri="http://purl.org/dc/terms/"/>
-    <ds:schemaRef ds:uri="http://schemas.microsoft.com/office/infopath/2007/PartnerControls"/>
-    <ds:schemaRef ds:uri="http://purl.org/dc/elements/1.1/"/>
-    <ds:schemaRef ds:uri="71af3243-3dd4-4a8d-8c0d-dd76da1f02a5"/>
-    <ds:schemaRef ds:uri="http://schemas.openxmlformats.org/package/2006/metadata/core-properties"/>
-    <ds:schemaRef ds:uri="http://schemas.microsoft.com/office/2006/metadata/properties"/>
-    <ds:schemaRef ds:uri="http://www.w3.org/XML/1998/namespace"/>
-  </ds:schemaRefs>
-</ds:datastoreItem>
-</file>
-
-<file path=customXml/itemProps3.xml><?xml version="1.0" encoding="utf-8"?>
 <ds:datastoreItem xmlns:ds="http://schemas.openxmlformats.org/officeDocument/2006/customXml" ds:itemID="{FD7FC771-7DFE-49DA-B577-71181BFBCB2E}">
   <ds:schemaRefs>
     <ds:schemaRef ds:uri="http://schemas.microsoft.com/office/2006/metadata/contentType"/>
@@ -26928,4 +26863,21 @@
     <ds:schemaRef ds:uri="http://schemas.microsoft.com/internal/obd"/>
   </ds:schemaRefs>
 </ds:datastoreItem>
+</file>
+
+<file path=customXml/itemProps3.xml><?xml version="1.0" encoding="utf-8"?>
+<ds:datastoreItem xmlns:ds="http://schemas.openxmlformats.org/officeDocument/2006/customXml" ds:itemID="{950072C5-DDE0-4258-BA7A-4D4B80DFA632}">
+  <ds:schemaRefs>
+    <ds:schemaRef ds:uri="71af3243-3dd4-4a8d-8c0d-dd76da1f02a5"/>
+    <ds:schemaRef ds:uri="http://purl.org/dc/elements/1.1/"/>
+    <ds:schemaRef ds:uri="16c05727-aa75-4e4a-9b5f-8a80a1165891"/>
+    <ds:schemaRef ds:uri="http://purl.org/dc/dcmitype/"/>
+    <ds:schemaRef ds:uri="http://schemas.microsoft.com/office/2006/documentManagement/types"/>
+    <ds:schemaRef ds:uri="http://www.w3.org/XML/1998/namespace"/>
+    <ds:schemaRef ds:uri="http://schemas.microsoft.com/office/infopath/2007/PartnerControls"/>
+    <ds:schemaRef ds:uri="http://schemas.openxmlformats.org/package/2006/metadata/core-properties"/>
+    <ds:schemaRef ds:uri="http://schemas.microsoft.com/office/2006/metadata/properties"/>
+    <ds:schemaRef ds:uri="http://purl.org/dc/terms/"/>
+  </ds:schemaRefs>
+</ds:datastoreItem>
 </file>
--- a/HARDWARE/01 射频/01 射频基本概念/射频基本概念总结.pptx
+++ b/HARDWARE/01 射频/01 射频基本概念/射频基本概念总结.pptx
@@ -5,17 +5,18 @@
     <p:sldMasterId id="2147483660" r:id="rId4"/>
   </p:sldMasterIdLst>
   <p:notesMasterIdLst>
-    <p:notesMasterId r:id="rId10"/>
+    <p:notesMasterId r:id="rId11"/>
   </p:notesMasterIdLst>
   <p:handoutMasterIdLst>
-    <p:handoutMasterId r:id="rId11"/>
+    <p:handoutMasterId r:id="rId12"/>
   </p:handoutMasterIdLst>
   <p:sldIdLst>
     <p:sldId id="284" r:id="rId5"/>
     <p:sldId id="285" r:id="rId6"/>
-    <p:sldId id="286" r:id="rId7"/>
-    <p:sldId id="291" r:id="rId8"/>
-    <p:sldId id="293" r:id="rId9"/>
+    <p:sldId id="295" r:id="rId7"/>
+    <p:sldId id="286" r:id="rId8"/>
+    <p:sldId id="291" r:id="rId9"/>
+    <p:sldId id="293" r:id="rId10"/>
   </p:sldIdLst>
   <p:sldSz cx="12192000" cy="6858000"/>
   <p:notesSz cx="6858000" cy="9144000"/>
@@ -232,7 +233,7 @@
                 <a:latin typeface="Microsoft YaHei UI" panose="020B0503020204020204" pitchFamily="34" charset="-122"/>
                 <a:ea typeface="Microsoft YaHei UI" panose="020B0503020204020204" pitchFamily="34" charset="-122"/>
               </a:rPr>
-              <a:t>2022/8/22</a:t>
+              <a:t>2022/8/24</a:t>
             </a:fld>
             <a:endParaRPr lang="zh-CN" altLang="en-US" dirty="0">
               <a:latin typeface="Microsoft YaHei UI" panose="020B0503020204020204" pitchFamily="34" charset="-122"/>
@@ -418,7 +419,7 @@
             <a:fld id="{56F2ECAB-FF34-48C3-94CF-D49698A33E3C}" type="datetime1">
               <a:rPr lang="zh-CN" altLang="en-US" smtClean="0"/>
               <a:pPr/>
-              <a:t>2022/8/22</a:t>
+              <a:t>2022/8/24</a:t>
             </a:fld>
             <a:endParaRPr lang="zh-CN" altLang="en-US" dirty="0"/>
           </a:p>
@@ -929,7 +930,7 @@
             <a:fld id="{DF61EA0F-A667-4B49-8422-0062BC55E249}" type="slidenum">
               <a:rPr lang="en-US" altLang="zh-CN" smtClean="0"/>
               <a:pPr/>
-              <a:t>3</a:t>
+              <a:t>4</a:t>
             </a:fld>
             <a:endParaRPr lang="zh-CN" altLang="en-US"/>
           </a:p>
@@ -1014,7 +1015,7 @@
             <a:fld id="{DF61EA0F-A667-4B49-8422-0062BC55E249}" type="slidenum">
               <a:rPr lang="en-US" altLang="zh-CN" smtClean="0"/>
               <a:pPr/>
-              <a:t>4</a:t>
+              <a:t>5</a:t>
             </a:fld>
             <a:endParaRPr lang="zh-CN" altLang="en-US"/>
           </a:p>
@@ -1099,7 +1100,7 @@
             <a:fld id="{DF61EA0F-A667-4B49-8422-0062BC55E249}" type="slidenum">
               <a:rPr lang="en-US" altLang="zh-CN" smtClean="0"/>
               <a:pPr/>
-              <a:t>5</a:t>
+              <a:t>6</a:t>
             </a:fld>
             <a:endParaRPr lang="zh-CN" altLang="en-US"/>
           </a:p>
@@ -1612,7 +1613,7 @@
           <a:p>
             <a:fld id="{3CF7612A-7C7D-41EF-9275-BA82F6A6A076}" type="datetime1">
               <a:rPr lang="zh-CN" altLang="en-US" smtClean="0"/>
-              <a:t>2022/8/22</a:t>
+              <a:t>2022/8/24</a:t>
             </a:fld>
             <a:endParaRPr lang="zh-CN" altLang="en-US"/>
           </a:p>
@@ -2291,7 +2292,7 @@
           <a:p>
             <a:fld id="{03B070BE-7F39-4CFE-B298-8B89566852DF}" type="datetime1">
               <a:rPr lang="zh-CN" altLang="en-US" smtClean="0"/>
-              <a:t>2022/8/22</a:t>
+              <a:t>2022/8/24</a:t>
             </a:fld>
             <a:endParaRPr lang="zh-CN" altLang="en-US"/>
           </a:p>
@@ -2788,14 +2789,11 @@
               </a:rPr>
               <a:t>RF</a:t>
             </a:r>
-            <a:r>
-              <a:rPr lang="zh-CN" altLang="en-US" b="1" dirty="0">
-                <a:solidFill>
-                  <a:srgbClr val="0070C0"/>
-                </a:solidFill>
-              </a:rPr>
-              <a:t>信号链：特性和性能指标</a:t>
-            </a:r>
+            <a:endParaRPr lang="zh-CN" altLang="en-US" b="1" dirty="0">
+              <a:solidFill>
+                <a:srgbClr val="0070C0"/>
+              </a:solidFill>
+            </a:endParaRPr>
           </a:p>
         </p:txBody>
       </p:sp>
@@ -2869,272 +2867,6 @@
             </a:r>
             <a:endParaRPr lang="en-US" altLang="zh-CN" sz="1050" dirty="0"/>
           </a:p>
-          <a:p>
-            <a:pPr marL="171450" indent="-171450">
-              <a:buFont typeface="Arial" panose="020B0604020202020204" pitchFamily="34" charset="0"/>
-              <a:buChar char="•"/>
-            </a:pPr>
-            <a:r>
-              <a:rPr lang="en-US" altLang="zh-CN" sz="1050" b="1" dirty="0"/>
-              <a:t>S</a:t>
-            </a:r>
-            <a:r>
-              <a:rPr lang="zh-CN" altLang="en-US" sz="1050" b="1" dirty="0"/>
-              <a:t>矩阵</a:t>
-            </a:r>
-            <a:endParaRPr lang="en-US" altLang="zh-CN" sz="1050" b="1" dirty="0"/>
-          </a:p>
-          <a:p>
-            <a:r>
-              <a:rPr lang="en-US" altLang="zh-CN" sz="1050" dirty="0"/>
-              <a:t>S21</a:t>
-            </a:r>
-            <a:r>
-              <a:rPr lang="zh-CN" altLang="en-US" sz="1050" dirty="0"/>
-              <a:t>：端口</a:t>
-            </a:r>
-            <a:r>
-              <a:rPr lang="en-US" altLang="zh-CN" sz="1050" dirty="0"/>
-              <a:t>1</a:t>
-            </a:r>
-            <a:r>
-              <a:rPr lang="zh-CN" altLang="en-US" sz="1050" dirty="0"/>
-              <a:t>到端口</a:t>
-            </a:r>
-            <a:r>
-              <a:rPr lang="en-US" altLang="zh-CN" sz="1050" dirty="0"/>
-              <a:t>2</a:t>
-            </a:r>
-            <a:r>
-              <a:rPr lang="zh-CN" altLang="en-US" sz="1050" dirty="0"/>
-              <a:t>的传输系数</a:t>
-            </a:r>
-            <a:endParaRPr lang="en-US" altLang="zh-CN" sz="1050" dirty="0"/>
-          </a:p>
-          <a:p>
-            <a:r>
-              <a:rPr lang="en-US" altLang="zh-CN" sz="1050" dirty="0"/>
-              <a:t>|S21|</a:t>
-            </a:r>
-            <a:r>
-              <a:rPr lang="zh-CN" altLang="en-US" sz="1050" dirty="0"/>
-              <a:t>：输出功率与输入功率的比值，称为增益或标量对数增益</a:t>
-            </a:r>
-            <a:endParaRPr lang="en-US" altLang="zh-CN" sz="1050" dirty="0"/>
-          </a:p>
-          <a:p>
-            <a:r>
-              <a:rPr lang="en-US" altLang="zh-CN" sz="1050" dirty="0"/>
-              <a:t>S11</a:t>
-            </a:r>
-            <a:r>
-              <a:rPr lang="zh-CN" altLang="en-US" sz="1050" dirty="0"/>
-              <a:t>、</a:t>
-            </a:r>
-            <a:r>
-              <a:rPr lang="en-US" altLang="zh-CN" sz="1050" dirty="0"/>
-              <a:t>S22</a:t>
-            </a:r>
-            <a:r>
-              <a:rPr lang="zh-CN" altLang="en-US" sz="1050" dirty="0"/>
-              <a:t>：反射系数</a:t>
-            </a:r>
-            <a:r>
-              <a:rPr lang="en-US" altLang="zh-CN" sz="1050" dirty="0"/>
-              <a:t>|</a:t>
-            </a:r>
-            <a:r>
-              <a:rPr lang="el-GR" altLang="zh-CN" sz="1050" dirty="0"/>
-              <a:t>Γ|</a:t>
-            </a:r>
-            <a:endParaRPr lang="en-US" altLang="zh-CN" sz="1050" dirty="0"/>
-          </a:p>
-          <a:p>
-            <a:r>
-              <a:rPr lang="zh-CN" altLang="en-US" sz="1050" dirty="0"/>
-              <a:t>反射系数与回波损耗：</a:t>
-            </a:r>
-            <a:r>
-              <a:rPr lang="en-US" altLang="zh-CN" sz="1050" dirty="0"/>
-              <a:t>RL=-20log |</a:t>
-            </a:r>
-            <a:r>
-              <a:rPr lang="el-GR" altLang="zh-CN" sz="1050" dirty="0"/>
-              <a:t>Γ|</a:t>
-            </a:r>
-            <a:r>
-              <a:rPr lang="zh-CN" altLang="en-US" sz="1050" dirty="0"/>
-              <a:t>（</a:t>
-            </a:r>
-            <a:r>
-              <a:rPr lang="zh-CN" altLang="en-US" sz="1050" b="0" i="0" dirty="0">
-                <a:solidFill>
-                  <a:srgbClr val="636363"/>
-                </a:solidFill>
-                <a:effectLst/>
-                <a:latin typeface="Helvetica" panose="020B0604020202020204" pitchFamily="34" charset="0"/>
-              </a:rPr>
-              <a:t>回波损耗始终是非负值</a:t>
-            </a:r>
-            <a:r>
-              <a:rPr lang="zh-CN" altLang="en-US" sz="1050" dirty="0"/>
-              <a:t>）</a:t>
-            </a:r>
-            <a:endParaRPr lang="en-US" altLang="zh-CN" sz="1050" dirty="0"/>
-          </a:p>
-          <a:p>
-            <a:r>
-              <a:rPr lang="zh-CN" altLang="en-US" sz="1050" dirty="0"/>
-              <a:t>（</a:t>
-            </a:r>
-            <a:r>
-              <a:rPr lang="en-US" altLang="zh-CN" sz="1050" dirty="0"/>
-              <a:t>IL</a:t>
-            </a:r>
-            <a:r>
-              <a:rPr lang="zh-CN" altLang="en-US" sz="1050" dirty="0"/>
-              <a:t>和</a:t>
-            </a:r>
-            <a:r>
-              <a:rPr lang="en-US" altLang="zh-CN" sz="1050" dirty="0"/>
-              <a:t>RL</a:t>
-            </a:r>
-            <a:r>
-              <a:rPr lang="zh-CN" altLang="en-US" sz="1050" dirty="0"/>
-              <a:t>与</a:t>
-            </a:r>
-            <a:r>
-              <a:rPr lang="en-US" altLang="zh-CN" sz="1050" dirty="0"/>
-              <a:t>S</a:t>
-            </a:r>
-            <a:r>
-              <a:rPr lang="zh-CN" altLang="en-US" sz="1050" dirty="0"/>
-              <a:t>参数的这种简单关系只有在所有端口都匹配的情况下才有效）</a:t>
-            </a:r>
-            <a:endParaRPr lang="en-US" altLang="zh-CN" sz="1050" dirty="0"/>
-          </a:p>
-          <a:p>
-            <a:pPr marL="171450" indent="-171450">
-              <a:buFont typeface="Arial" panose="020B0604020202020204" pitchFamily="34" charset="0"/>
-              <a:buChar char="•"/>
-            </a:pPr>
-            <a:r>
-              <a:rPr lang="zh-CN" altLang="en-US" sz="1050" b="1" dirty="0"/>
-              <a:t>频率范围和带宽</a:t>
-            </a:r>
-            <a:endParaRPr lang="en-US" altLang="zh-CN" sz="1050" b="1" dirty="0"/>
-          </a:p>
-          <a:p>
-            <a:r>
-              <a:rPr lang="en-US" altLang="zh-CN" sz="1050" dirty="0"/>
-              <a:t>3 dB</a:t>
-            </a:r>
-            <a:r>
-              <a:rPr lang="zh-CN" altLang="en-US" sz="1050" dirty="0"/>
-              <a:t>带宽：信号功率电平超过其最大值一半的频率范围。</a:t>
-            </a:r>
-          </a:p>
-          <a:p>
-            <a:r>
-              <a:rPr lang="zh-CN" altLang="en-US" sz="1050" dirty="0"/>
-              <a:t>瞬时带宽</a:t>
-            </a:r>
-            <a:r>
-              <a:rPr lang="en-US" altLang="zh-CN" sz="1050" dirty="0"/>
-              <a:t>(IBW)</a:t>
-            </a:r>
-            <a:r>
-              <a:rPr lang="zh-CN" altLang="en-US" sz="1050" dirty="0"/>
-              <a:t>或实时带宽：系统在不需要重新调谐的情况下能够产生或获取的最大连续带宽。</a:t>
-            </a:r>
-          </a:p>
-          <a:p>
-            <a:r>
-              <a:rPr lang="zh-CN" altLang="en-US" sz="1050" dirty="0"/>
-              <a:t>占用带宽</a:t>
-            </a:r>
-            <a:r>
-              <a:rPr lang="en-US" altLang="zh-CN" sz="1050" dirty="0"/>
-              <a:t>(OBW)</a:t>
-            </a:r>
-            <a:r>
-              <a:rPr lang="zh-CN" altLang="en-US" sz="1050" dirty="0"/>
-              <a:t>：</a:t>
-            </a:r>
-            <a:r>
-              <a:rPr lang="en-US" altLang="zh-CN" sz="1050" dirty="0"/>
-              <a:t>Occupied BW</a:t>
-            </a:r>
-            <a:r>
-              <a:rPr lang="zh-CN" altLang="en-US" sz="1050" dirty="0"/>
-              <a:t>，包含总集成信号功率特定百分比的频率范围。</a:t>
-            </a:r>
-          </a:p>
-          <a:p>
-            <a:r>
-              <a:rPr lang="zh-CN" altLang="en-US" sz="1050" dirty="0"/>
-              <a:t>分辨率带宽</a:t>
-            </a:r>
-            <a:r>
-              <a:rPr lang="en-US" altLang="zh-CN" sz="1050" dirty="0"/>
-              <a:t>(RBW)</a:t>
-            </a:r>
-            <a:r>
-              <a:rPr lang="zh-CN" altLang="en-US" sz="1050" dirty="0"/>
-              <a:t>：指两个频率分量（可继续分解）之间的最小间隔。例如，在频谱分析仪系统中，它是最终滤波器级的频率范围。</a:t>
-            </a:r>
-            <a:endParaRPr lang="en-US" altLang="zh-CN" sz="1050" dirty="0"/>
-          </a:p>
-          <a:p>
-            <a:pPr marL="171450" indent="-171450">
-              <a:buFont typeface="Arial" panose="020B0604020202020204" pitchFamily="34" charset="0"/>
-              <a:buChar char="•"/>
-            </a:pPr>
-            <a:r>
-              <a:rPr lang="zh-CN" altLang="en-US" sz="1050" b="1" dirty="0"/>
-              <a:t>非线性</a:t>
-            </a:r>
-            <a:endParaRPr lang="en-US" altLang="zh-CN" sz="1050" b="1" dirty="0"/>
-          </a:p>
-          <a:p>
-            <a:r>
-              <a:rPr lang="zh-CN" altLang="en-US" sz="1050" dirty="0"/>
-              <a:t>输出</a:t>
-            </a:r>
-            <a:r>
-              <a:rPr lang="en-US" altLang="zh-CN" sz="1050" dirty="0"/>
-              <a:t>1 dB</a:t>
-            </a:r>
-            <a:r>
-              <a:rPr lang="zh-CN" altLang="en-US" sz="1050" dirty="0"/>
-              <a:t>压缩点</a:t>
-            </a:r>
-            <a:r>
-              <a:rPr lang="en-US" altLang="zh-CN" sz="1050" dirty="0"/>
-              <a:t>(OP1dB)</a:t>
-            </a:r>
-          </a:p>
-          <a:p>
-            <a:r>
-              <a:rPr lang="zh-CN" altLang="en-US" sz="1050" dirty="0"/>
-              <a:t>饱和输出功率</a:t>
-            </a:r>
-            <a:r>
-              <a:rPr lang="en-US" altLang="zh-CN" sz="1050" dirty="0"/>
-              <a:t>(PSAT)</a:t>
-            </a:r>
-            <a:r>
-              <a:rPr lang="zh-CN" altLang="en-US" sz="1050" dirty="0"/>
-              <a:t> </a:t>
-            </a:r>
-            <a:endParaRPr lang="en-US" altLang="zh-CN" sz="1050" dirty="0"/>
-          </a:p>
-          <a:p>
-            <a:r>
-              <a:rPr lang="en-US" altLang="zh-CN" sz="1050" dirty="0"/>
-              <a:t>IP3</a:t>
-            </a:r>
-          </a:p>
         </p:txBody>
       </p:sp>
       <p:pic>
@@ -3165,127 +2897,8 @@
         </p:blipFill>
         <p:spPr>
           <a:xfrm>
-            <a:off x="5741496" y="1289050"/>
-            <a:ext cx="5839400" cy="2730500"/>
-          </a:xfrm>
-          <a:prstGeom prst="rect">
-            <a:avLst/>
-          </a:prstGeom>
-        </p:spPr>
-      </p:pic>
-      <p:pic>
-        <p:nvPicPr>
-          <p:cNvPr id="13" name="图形 12">
-            <a:extLst>
-              <a:ext uri="{FF2B5EF4-FFF2-40B4-BE49-F238E27FC236}">
-                <a16:creationId xmlns:a16="http://schemas.microsoft.com/office/drawing/2014/main" id="{81AC4992-0773-4A21-9273-5DEA9090BF51}"/>
-              </a:ext>
-            </a:extLst>
-          </p:cNvPr>
-          <p:cNvPicPr>
-            <a:picLocks noChangeAspect="1"/>
-          </p:cNvPicPr>
-          <p:nvPr/>
-        </p:nvPicPr>
-        <p:blipFill>
-          <a:blip r:embed="rId5">
-            <a:extLst>
-              <a:ext uri="{96DAC541-7B7A-43D3-8B79-37D633B846F1}">
-                <asvg:svgBlip xmlns:asvg="http://schemas.microsoft.com/office/drawing/2016/SVG/main" r:embed="rId6"/>
-              </a:ext>
-            </a:extLst>
-          </a:blip>
-          <a:stretch>
-            <a:fillRect/>
-          </a:stretch>
-        </p:blipFill>
-        <p:spPr>
-          <a:xfrm>
-            <a:off x="5756498" y="3771713"/>
-            <a:ext cx="2463362" cy="1016187"/>
-          </a:xfrm>
-          <a:prstGeom prst="rect">
-            <a:avLst/>
-          </a:prstGeom>
-        </p:spPr>
-      </p:pic>
-      <p:pic>
-        <p:nvPicPr>
-          <p:cNvPr id="6" name="Picture 6">
-            <a:extLst>
-              <a:ext uri="{FF2B5EF4-FFF2-40B4-BE49-F238E27FC236}">
-                <a16:creationId xmlns:a16="http://schemas.microsoft.com/office/drawing/2014/main" id="{033BF222-52D1-4EF5-948B-E01E72EA46BD}"/>
-              </a:ext>
-            </a:extLst>
-          </p:cNvPr>
-          <p:cNvPicPr>
-            <a:picLocks noChangeAspect="1" noChangeArrowheads="1"/>
-          </p:cNvPicPr>
-          <p:nvPr/>
-        </p:nvPicPr>
-        <p:blipFill>
-          <a:blip r:embed="rId7">
-            <a:extLst>
-              <a:ext uri="{28A0092B-C50C-407E-A947-70E740481C1C}">
-                <a14:useLocalDpi xmlns:a14="http://schemas.microsoft.com/office/drawing/2010/main" val="0"/>
-              </a:ext>
-            </a:extLst>
-          </a:blip>
-          <a:srcRect/>
-          <a:stretch>
-            <a:fillRect/>
-          </a:stretch>
-        </p:blipFill>
-        <p:spPr bwMode="auto">
-          <a:xfrm>
-            <a:off x="9090588" y="4321340"/>
-            <a:ext cx="2742908" cy="1311110"/>
-          </a:xfrm>
-          <a:prstGeom prst="rect">
-            <a:avLst/>
-          </a:prstGeom>
-          <a:noFill/>
-          <a:extLst>
-            <a:ext uri="{909E8E84-426E-40DD-AFC4-6F175D3DCCD1}">
-              <a14:hiddenFill xmlns:a14="http://schemas.microsoft.com/office/drawing/2010/main">
-                <a:solidFill>
-                  <a:srgbClr val="FFFFFF"/>
-                </a:solidFill>
-              </a14:hiddenFill>
-            </a:ext>
-          </a:extLst>
-        </p:spPr>
-      </p:pic>
-      <p:pic>
-        <p:nvPicPr>
-          <p:cNvPr id="8" name="图形 7">
-            <a:extLst>
-              <a:ext uri="{FF2B5EF4-FFF2-40B4-BE49-F238E27FC236}">
-                <a16:creationId xmlns:a16="http://schemas.microsoft.com/office/drawing/2014/main" id="{818FBCC5-8A0F-4EB5-87AA-7816823F242F}"/>
-              </a:ext>
-            </a:extLst>
-          </p:cNvPr>
-          <p:cNvPicPr>
-            <a:picLocks noChangeAspect="1"/>
-          </p:cNvPicPr>
-          <p:nvPr/>
-        </p:nvPicPr>
-        <p:blipFill>
-          <a:blip r:embed="rId8">
-            <a:extLst>
-              <a:ext uri="{96DAC541-7B7A-43D3-8B79-37D633B846F1}">
-                <asvg:svgBlip xmlns:asvg="http://schemas.microsoft.com/office/drawing/2016/SVG/main" r:embed="rId9"/>
-              </a:ext>
-            </a:extLst>
-          </a:blip>
-          <a:stretch>
-            <a:fillRect/>
-          </a:stretch>
-        </p:blipFill>
-        <p:spPr>
-          <a:xfrm>
-            <a:off x="5597400" y="4787899"/>
-            <a:ext cx="2359150" cy="1780805"/>
+            <a:off x="521207" y="2347727"/>
+            <a:ext cx="8061896" cy="3769738"/>
           </a:xfrm>
           <a:prstGeom prst="rect">
             <a:avLst/>
@@ -3343,12 +2956,27 @@
           <a:bodyPr/>
           <a:lstStyle/>
           <a:p>
-            <a:endParaRPr lang="zh-CN" altLang="en-US" dirty="0"/>
+            <a:r>
+              <a:rPr lang="en-US" altLang="zh-CN" b="1" dirty="0">
+                <a:solidFill>
+                  <a:srgbClr val="0070C0"/>
+                </a:solidFill>
+              </a:rPr>
+              <a:t>S</a:t>
+            </a:r>
+            <a:r>
+              <a:rPr lang="zh-CN" altLang="en-US" b="1" dirty="0">
+                <a:solidFill>
+                  <a:srgbClr val="0070C0"/>
+                </a:solidFill>
+              </a:rPr>
+              <a:t>参数</a:t>
+            </a:r>
           </a:p>
         </p:txBody>
       </p:sp>
-      <mc:AlternateContent xmlns:mc="http://schemas.openxmlformats.org/markup-compatibility/2006" xmlns:a14="http://schemas.microsoft.com/office/drawing/2010/main">
-        <mc:Choice Requires="a14">
+      <mc:AlternateContent xmlns:mc="http://schemas.openxmlformats.org/markup-compatibility/2006">
+        <mc:Choice xmlns:a14="http://schemas.microsoft.com/office/drawing/2010/main" Requires="a14">
           <p:sp>
             <p:nvSpPr>
               <p:cNvPr id="3" name="内容占位符 2">
@@ -4267,7 +3895,7 @@
                     </m:r>
                   </m:oMath>
                 </a14:m>
-                <a:endParaRPr lang="en-US" altLang="zh-CN" sz="1000" dirty="0">
+                <a:endParaRPr lang="en-US" altLang="zh-CN" dirty="0">
                   <a:latin typeface="微软雅黑" panose="020B0503020204020204" pitchFamily="34" charset="-122"/>
                   <a:ea typeface="微软雅黑" panose="020B0503020204020204" pitchFamily="34" charset="-122"/>
                 </a:endParaRPr>
@@ -4278,116 +3906,145 @@
                   <a:buChar char="•"/>
                 </a:pPr>
                 <a:r>
-                  <a:rPr lang="en-US" altLang="zh-CN" sz="1000" b="1" dirty="0">
-                    <a:latin typeface="微软雅黑" panose="020B0503020204020204" pitchFamily="34" charset="-122"/>
-                    <a:ea typeface="微软雅黑" panose="020B0503020204020204" pitchFamily="34" charset="-122"/>
-                  </a:rPr>
-                  <a:t>OBW IBW</a:t>
+                  <a:rPr lang="en-US" altLang="zh-CN" sz="1000" b="1" dirty="0"/>
+                  <a:t>S</a:t>
                 </a:r>
+                <a:r>
+                  <a:rPr lang="zh-CN" altLang="en-US" sz="1000" b="1" dirty="0"/>
+                  <a:t>矩阵</a:t>
+                </a:r>
+                <a:endParaRPr lang="en-US" altLang="zh-CN" sz="1000" b="1" dirty="0"/>
               </a:p>
               <a:p>
                 <a:r>
-                  <a:rPr lang="en-US" altLang="zh-CN" sz="1000" dirty="0">
-                    <a:latin typeface="微软雅黑" panose="020B0503020204020204" pitchFamily="34" charset="-122"/>
-                    <a:ea typeface="微软雅黑" panose="020B0503020204020204" pitchFamily="34" charset="-122"/>
-                  </a:rPr>
-                  <a:t>RF</a:t>
+                  <a:rPr lang="en-US" altLang="zh-CN" sz="1000" dirty="0"/>
+                  <a:t>S21</a:t>
                 </a:r>
                 <a:r>
-                  <a:rPr lang="zh-CN" altLang="en-US" sz="1000" dirty="0">
-                    <a:latin typeface="微软雅黑" panose="020B0503020204020204" pitchFamily="34" charset="-122"/>
-                    <a:ea typeface="微软雅黑" panose="020B0503020204020204" pitchFamily="34" charset="-122"/>
-                  </a:rPr>
-                  <a:t>信号链的带宽很大程度上取决于其模拟前端，以及高速模数转换器或数模转换器的采样速率和带宽</a:t>
+                  <a:rPr lang="zh-CN" altLang="en-US" sz="1000" dirty="0"/>
+                  <a:t>：端口</a:t>
                 </a:r>
-                <a:endParaRPr lang="en-US" altLang="zh-CN" sz="1000" dirty="0">
-                  <a:latin typeface="微软雅黑" panose="020B0503020204020204" pitchFamily="34" charset="-122"/>
-                  <a:ea typeface="微软雅黑" panose="020B0503020204020204" pitchFamily="34" charset="-122"/>
-                </a:endParaRPr>
+                <a:r>
+                  <a:rPr lang="en-US" altLang="zh-CN" sz="1000" dirty="0"/>
+                  <a:t>1</a:t>
+                </a:r>
+                <a:r>
+                  <a:rPr lang="zh-CN" altLang="en-US" sz="1000" dirty="0"/>
+                  <a:t>到端口</a:t>
+                </a:r>
+                <a:r>
+                  <a:rPr lang="en-US" altLang="zh-CN" sz="1000" dirty="0"/>
+                  <a:t>2</a:t>
+                </a:r>
+                <a:r>
+                  <a:rPr lang="zh-CN" altLang="en-US" sz="1000" dirty="0"/>
+                  <a:t>的传输系数</a:t>
+                </a:r>
+                <a:endParaRPr lang="en-US" altLang="zh-CN" sz="1000" dirty="0"/>
               </a:p>
               <a:p>
                 <a:r>
-                  <a:rPr lang="en-US" altLang="zh-CN" sz="1000" dirty="0">
-                    <a:latin typeface="微软雅黑" panose="020B0503020204020204" pitchFamily="34" charset="-122"/>
-                    <a:ea typeface="微软雅黑" panose="020B0503020204020204" pitchFamily="34" charset="-122"/>
-                  </a:rPr>
-                  <a:t>Instantaneous Bandwidth</a:t>
+                  <a:rPr lang="en-US" altLang="zh-CN" sz="1000" dirty="0"/>
+                  <a:t>|S21|</a:t>
                 </a:r>
                 <a:r>
-                  <a:rPr lang="zh-CN" altLang="en-US" sz="1000" dirty="0">
-                    <a:latin typeface="微软雅黑" panose="020B0503020204020204" pitchFamily="34" charset="-122"/>
-                    <a:ea typeface="微软雅黑" panose="020B0503020204020204" pitchFamily="34" charset="-122"/>
-                  </a:rPr>
-                  <a:t>，瞬时带宽</a:t>
+                  <a:rPr lang="zh-CN" altLang="en-US" sz="1000" dirty="0"/>
+                  <a:t>：输出功率与输入功率的比值，称为增益或标量对数增益</a:t>
                 </a:r>
-                <a:endParaRPr lang="en-US" altLang="zh-CN" sz="1000" dirty="0">
-                  <a:latin typeface="微软雅黑" panose="020B0503020204020204" pitchFamily="34" charset="-122"/>
-                  <a:ea typeface="微软雅黑" panose="020B0503020204020204" pitchFamily="34" charset="-122"/>
-                </a:endParaRPr>
+                <a:endParaRPr lang="en-US" altLang="zh-CN" sz="1000" dirty="0"/>
               </a:p>
               <a:p>
                 <a:r>
-                  <a:rPr lang="en-US" altLang="zh-CN" sz="1000" dirty="0">
-                    <a:latin typeface="微软雅黑" panose="020B0503020204020204" pitchFamily="34" charset="-122"/>
-                    <a:ea typeface="微软雅黑" panose="020B0503020204020204" pitchFamily="34" charset="-122"/>
-                  </a:rPr>
-                  <a:t>Operating Bandwidth</a:t>
+                  <a:rPr lang="en-US" altLang="zh-CN" sz="1000" dirty="0"/>
+                  <a:t>S11</a:t>
                 </a:r>
                 <a:r>
-                  <a:rPr lang="zh-CN" altLang="en-US" sz="1000" dirty="0">
-                    <a:latin typeface="微软雅黑" panose="020B0503020204020204" pitchFamily="34" charset="-122"/>
-                    <a:ea typeface="微软雅黑" panose="020B0503020204020204" pitchFamily="34" charset="-122"/>
-                  </a:rPr>
-                  <a:t>，工作带宽</a:t>
+                  <a:rPr lang="zh-CN" altLang="en-US" sz="1000" dirty="0"/>
+                  <a:t>、</a:t>
                 </a:r>
-                <a:endParaRPr lang="en-US" altLang="zh-CN" sz="1000" dirty="0">
-                  <a:latin typeface="微软雅黑" panose="020B0503020204020204" pitchFamily="34" charset="-122"/>
-                  <a:ea typeface="微软雅黑" panose="020B0503020204020204" pitchFamily="34" charset="-122"/>
-                </a:endParaRPr>
+                <a:r>
+                  <a:rPr lang="en-US" altLang="zh-CN" sz="1000" dirty="0"/>
+                  <a:t>S22</a:t>
+                </a:r>
+                <a:r>
+                  <a:rPr lang="zh-CN" altLang="en-US" sz="1000" dirty="0"/>
+                  <a:t>：反射系数</a:t>
+                </a:r>
+                <a:r>
+                  <a:rPr lang="en-US" altLang="zh-CN" sz="1000" dirty="0"/>
+                  <a:t>|</a:t>
+                </a:r>
+                <a:r>
+                  <a:rPr lang="el-GR" altLang="zh-CN" sz="1000" dirty="0"/>
+                  <a:t>Γ|</a:t>
+                </a:r>
+                <a:endParaRPr lang="en-US" altLang="zh-CN" sz="1000" dirty="0"/>
               </a:p>
               <a:p>
                 <a:r>
-                  <a:rPr lang="en-US" altLang="zh-CN" sz="1000" dirty="0">
-                    <a:latin typeface="微软雅黑" panose="020B0503020204020204" pitchFamily="34" charset="-122"/>
-                    <a:ea typeface="微软雅黑" panose="020B0503020204020204" pitchFamily="34" charset="-122"/>
-                  </a:rPr>
-                  <a:t>Occupied Bandwidth</a:t>
+                  <a:rPr lang="zh-CN" altLang="en-US" sz="1000" dirty="0"/>
+                  <a:t>反射系数与回波损耗：</a:t>
                 </a:r>
                 <a:r>
-                  <a:rPr lang="zh-CN" altLang="en-US" sz="1000" dirty="0">
-                    <a:latin typeface="微软雅黑" panose="020B0503020204020204" pitchFamily="34" charset="-122"/>
-                    <a:ea typeface="微软雅黑" panose="020B0503020204020204" pitchFamily="34" charset="-122"/>
-                  </a:rPr>
-                  <a:t>，占用带宽，华为</a:t>
+                  <a:rPr lang="en-US" altLang="zh-CN" sz="1000" dirty="0"/>
+                  <a:t>RL=-20log |</a:t>
                 </a:r>
                 <a:r>
-                  <a:rPr lang="en-US" altLang="zh-CN" sz="1000" dirty="0">
-                    <a:latin typeface="微软雅黑" panose="020B0503020204020204" pitchFamily="34" charset="-122"/>
-                    <a:ea typeface="微软雅黑" panose="020B0503020204020204" pitchFamily="34" charset="-122"/>
-                  </a:rPr>
-                  <a:t>FDD</a:t>
+                  <a:rPr lang="el-GR" altLang="zh-CN" sz="1000" dirty="0"/>
+                  <a:t>Γ|</a:t>
                 </a:r>
                 <a:r>
-                  <a:rPr lang="zh-CN" altLang="en-US" dirty="0">
-                    <a:latin typeface="微软雅黑" panose="020B0503020204020204" pitchFamily="34" charset="-122"/>
-                    <a:ea typeface="微软雅黑" panose="020B0503020204020204" pitchFamily="34" charset="-122"/>
-                  </a:rPr>
-                  <a:t>产品无</a:t>
+                  <a:rPr lang="zh-CN" altLang="en-US" sz="1000" dirty="0"/>
+                  <a:t>（</a:t>
                 </a:r>
                 <a:r>
-                  <a:rPr lang="en-US" altLang="zh-CN" dirty="0">
-                    <a:latin typeface="微软雅黑" panose="020B0503020204020204" pitchFamily="34" charset="-122"/>
-                    <a:ea typeface="微软雅黑" panose="020B0503020204020204" pitchFamily="34" charset="-122"/>
+                  <a:rPr lang="zh-CN" altLang="en-US" sz="1000" b="0" i="0" dirty="0">
+                    <a:solidFill>
+                      <a:srgbClr val="636363"/>
+                    </a:solidFill>
+                    <a:effectLst/>
+                    <a:latin typeface="Helvetica" panose="020B0604020202020204" pitchFamily="34" charset="0"/>
                   </a:rPr>
-                  <a:t>OBW</a:t>
+                  <a:t>回波损耗始终是非负值</a:t>
                 </a:r>
                 <a:r>
-                  <a:rPr lang="zh-CN" altLang="en-US" dirty="0">
-                    <a:latin typeface="微软雅黑" panose="020B0503020204020204" pitchFamily="34" charset="-122"/>
-                    <a:ea typeface="微软雅黑" panose="020B0503020204020204" pitchFamily="34" charset="-122"/>
-                  </a:rPr>
-                  <a:t>指标</a:t>
+                  <a:rPr lang="zh-CN" altLang="en-US" sz="1000" dirty="0"/>
+                  <a:t>）</a:t>
                 </a:r>
+                <a:endParaRPr lang="en-US" altLang="zh-CN" sz="1000" dirty="0"/>
+              </a:p>
+              <a:p>
+                <a:r>
+                  <a:rPr lang="zh-CN" altLang="en-US" sz="1000" dirty="0"/>
+                  <a:t>（</a:t>
+                </a:r>
+                <a:r>
+                  <a:rPr lang="en-US" altLang="zh-CN" sz="1000" dirty="0"/>
+                  <a:t>IL</a:t>
+                </a:r>
+                <a:r>
+                  <a:rPr lang="zh-CN" altLang="en-US" sz="1000" dirty="0"/>
+                  <a:t>和</a:t>
+                </a:r>
+                <a:r>
+                  <a:rPr lang="en-US" altLang="zh-CN" sz="1000" dirty="0"/>
+                  <a:t>RL</a:t>
+                </a:r>
+                <a:r>
+                  <a:rPr lang="zh-CN" altLang="en-US" sz="1000" dirty="0"/>
+                  <a:t>与</a:t>
+                </a:r>
+                <a:r>
+                  <a:rPr lang="en-US" altLang="zh-CN" sz="1000" dirty="0"/>
+                  <a:t>S</a:t>
+                </a:r>
+                <a:r>
+                  <a:rPr lang="zh-CN" altLang="en-US" sz="1000" dirty="0"/>
+                  <a:t>参数的这种简单关系只有在所有端口都匹配的情况下才有效）</a:t>
+                </a:r>
+                <a:endParaRPr lang="en-US" altLang="zh-CN" sz="1000" dirty="0"/>
+              </a:p>
+              <a:p>
                 <a:endParaRPr lang="en-US" altLang="zh-CN" sz="1000" dirty="0">
                   <a:latin typeface="微软雅黑" panose="020B0503020204020204" pitchFamily="34" charset="-122"/>
                   <a:ea typeface="微软雅黑" panose="020B0503020204020204" pitchFamily="34" charset="-122"/>
@@ -4399,7 +4056,7 @@
             </p:txBody>
           </p:sp>
         </mc:Choice>
-        <mc:Fallback xmlns="">
+        <mc:Fallback>
           <p:sp>
             <p:nvSpPr>
               <p:cNvPr id="3" name="内容占位符 2">
@@ -4445,10 +4102,10 @@
       </mc:AlternateContent>
       <p:pic>
         <p:nvPicPr>
-          <p:cNvPr id="13" name="图片 12">
+          <p:cNvPr id="4" name="图形 3">
             <a:extLst>
               <a:ext uri="{FF2B5EF4-FFF2-40B4-BE49-F238E27FC236}">
-                <a16:creationId xmlns:a16="http://schemas.microsoft.com/office/drawing/2014/main" id="{442A8858-0B0C-4017-9CED-0F262799CC0C}"/>
+                <a16:creationId xmlns:a16="http://schemas.microsoft.com/office/drawing/2014/main" id="{4AC6E8CC-219D-847B-9AF0-0240ACC33E98}"/>
               </a:ext>
             </a:extLst>
           </p:cNvPr>
@@ -4458,122 +4115,21 @@
           <p:nvPr/>
         </p:nvPicPr>
         <p:blipFill>
-          <a:blip r:embed="rId4"/>
+          <a:blip r:embed="rId4">
+            <a:extLst>
+              <a:ext uri="{96DAC541-7B7A-43D3-8B79-37D633B846F1}">
+                <asvg:svgBlip xmlns:asvg="http://schemas.microsoft.com/office/drawing/2016/SVG/main" r:embed="rId5"/>
+              </a:ext>
+            </a:extLst>
+          </a:blip>
           <a:stretch>
             <a:fillRect/>
           </a:stretch>
         </p:blipFill>
         <p:spPr>
           <a:xfrm>
-            <a:off x="5057487" y="1220730"/>
-            <a:ext cx="745378" cy="2488537"/>
-          </a:xfrm>
-          <a:prstGeom prst="rect">
-            <a:avLst/>
-          </a:prstGeom>
-        </p:spPr>
-      </p:pic>
-      <p:pic>
-        <p:nvPicPr>
-          <p:cNvPr id="15" name="图片 14">
-            <a:extLst>
-              <a:ext uri="{FF2B5EF4-FFF2-40B4-BE49-F238E27FC236}">
-                <a16:creationId xmlns:a16="http://schemas.microsoft.com/office/drawing/2014/main" id="{33065472-AA1B-4248-B5AC-851E2689B49B}"/>
-              </a:ext>
-            </a:extLst>
-          </p:cNvPr>
-          <p:cNvPicPr>
-            <a:picLocks noChangeAspect="1"/>
-          </p:cNvPicPr>
-          <p:nvPr/>
-        </p:nvPicPr>
-        <p:blipFill>
-          <a:blip r:embed="rId5"/>
-          <a:stretch>
-            <a:fillRect/>
-          </a:stretch>
-        </p:blipFill>
-        <p:spPr>
-          <a:xfrm>
-            <a:off x="6143956" y="1220730"/>
-            <a:ext cx="3257389" cy="2488537"/>
-          </a:xfrm>
-          <a:prstGeom prst="rect">
-            <a:avLst/>
-          </a:prstGeom>
-        </p:spPr>
-      </p:pic>
-      <p:pic>
-        <p:nvPicPr>
-          <p:cNvPr id="1030" name="Picture 6">
-            <a:extLst>
-              <a:ext uri="{FF2B5EF4-FFF2-40B4-BE49-F238E27FC236}">
-                <a16:creationId xmlns:a16="http://schemas.microsoft.com/office/drawing/2014/main" id="{9D0D40E2-652E-411E-8C74-DB341FF8B0DC}"/>
-              </a:ext>
-            </a:extLst>
-          </p:cNvPr>
-          <p:cNvPicPr>
-            <a:picLocks noChangeAspect="1" noChangeArrowheads="1"/>
-          </p:cNvPicPr>
-          <p:nvPr/>
-        </p:nvPicPr>
-        <p:blipFill>
-          <a:blip r:embed="rId6">
-            <a:extLst>
-              <a:ext uri="{28A0092B-C50C-407E-A947-70E740481C1C}">
-                <a14:useLocalDpi xmlns:a14="http://schemas.microsoft.com/office/drawing/2010/main" val="0"/>
-              </a:ext>
-            </a:extLst>
-          </a:blip>
-          <a:srcRect/>
-          <a:stretch>
-            <a:fillRect/>
-          </a:stretch>
-        </p:blipFill>
-        <p:spPr bwMode="auto">
-          <a:xfrm>
-            <a:off x="5130181" y="4718464"/>
-            <a:ext cx="3785219" cy="1809335"/>
-          </a:xfrm>
-          <a:prstGeom prst="rect">
-            <a:avLst/>
-          </a:prstGeom>
-          <a:noFill/>
-          <a:extLst>
-            <a:ext uri="{909E8E84-426E-40DD-AFC4-6F175D3DCCD1}">
-              <a14:hiddenFill xmlns:a14="http://schemas.microsoft.com/office/drawing/2010/main">
-                <a:solidFill>
-                  <a:srgbClr val="FFFFFF"/>
-                </a:solidFill>
-              </a14:hiddenFill>
-            </a:ext>
-          </a:extLst>
-        </p:spPr>
-      </p:pic>
-      <p:pic>
-        <p:nvPicPr>
-          <p:cNvPr id="7" name="图片 6">
-            <a:extLst>
-              <a:ext uri="{FF2B5EF4-FFF2-40B4-BE49-F238E27FC236}">
-                <a16:creationId xmlns:a16="http://schemas.microsoft.com/office/drawing/2014/main" id="{E5BB8B3A-DCFD-4401-8AB1-631A854D44B5}"/>
-              </a:ext>
-            </a:extLst>
-          </p:cNvPr>
-          <p:cNvPicPr>
-            <a:picLocks noChangeAspect="1"/>
-          </p:cNvPicPr>
-          <p:nvPr/>
-        </p:nvPicPr>
-        <p:blipFill>
-          <a:blip r:embed="rId7"/>
-          <a:stretch>
-            <a:fillRect/>
-          </a:stretch>
-        </p:blipFill>
-        <p:spPr>
-          <a:xfrm>
-            <a:off x="8994864" y="3841861"/>
-            <a:ext cx="3197136" cy="2443304"/>
+            <a:off x="5569754" y="2561099"/>
+            <a:ext cx="3516602" cy="1450670"/>
           </a:xfrm>
           <a:prstGeom prst="rect">
             <a:avLst/>
@@ -4615,6 +4171,351 @@
           <p:cNvPr id="2" name="标题 1">
             <a:extLst>
               <a:ext uri="{FF2B5EF4-FFF2-40B4-BE49-F238E27FC236}">
+                <a16:creationId xmlns:a16="http://schemas.microsoft.com/office/drawing/2014/main" id="{46696E33-2BA5-A7FA-700F-D2BF969317A1}"/>
+              </a:ext>
+            </a:extLst>
+          </p:cNvPr>
+          <p:cNvSpPr>
+            <a:spLocks noGrp="1"/>
+          </p:cNvSpPr>
+          <p:nvPr>
+            <p:ph type="title"/>
+          </p:nvPr>
+        </p:nvSpPr>
+        <p:spPr/>
+        <p:txBody>
+          <a:bodyPr/>
+          <a:lstStyle/>
+          <a:p>
+            <a:r>
+              <a:rPr lang="zh-CN" altLang="en-US" b="1" dirty="0">
+                <a:solidFill>
+                  <a:srgbClr val="0070C0"/>
+                </a:solidFill>
+              </a:rPr>
+              <a:t>带宽</a:t>
+            </a:r>
+          </a:p>
+        </p:txBody>
+      </p:sp>
+      <p:sp>
+        <p:nvSpPr>
+          <p:cNvPr id="3" name="内容占位符 2">
+            <a:extLst>
+              <a:ext uri="{FF2B5EF4-FFF2-40B4-BE49-F238E27FC236}">
+                <a16:creationId xmlns:a16="http://schemas.microsoft.com/office/drawing/2014/main" id="{DC7D1259-B520-EF12-6DA7-E30FE00642A7}"/>
+              </a:ext>
+            </a:extLst>
+          </p:cNvPr>
+          <p:cNvSpPr>
+            <a:spLocks noGrp="1"/>
+          </p:cNvSpPr>
+          <p:nvPr>
+            <p:ph sz="quarter" idx="10"/>
+          </p:nvPr>
+        </p:nvSpPr>
+        <p:spPr/>
+        <p:txBody>
+          <a:bodyPr/>
+          <a:lstStyle/>
+          <a:p>
+            <a:pPr marL="171450" indent="-171450">
+              <a:buFont typeface="Arial" panose="020B0604020202020204" pitchFamily="34" charset="0"/>
+              <a:buChar char="•"/>
+            </a:pPr>
+            <a:r>
+              <a:rPr lang="en-US" altLang="zh-CN" sz="1000" b="1" dirty="0">
+                <a:latin typeface="微软雅黑" panose="020B0503020204020204" pitchFamily="34" charset="-122"/>
+                <a:ea typeface="微软雅黑" panose="020B0503020204020204" pitchFamily="34" charset="-122"/>
+              </a:rPr>
+              <a:t>OBW IBW</a:t>
+            </a:r>
+          </a:p>
+          <a:p>
+            <a:r>
+              <a:rPr lang="en-US" altLang="zh-CN" sz="1000" dirty="0">
+                <a:latin typeface="微软雅黑" panose="020B0503020204020204" pitchFamily="34" charset="-122"/>
+                <a:ea typeface="微软雅黑" panose="020B0503020204020204" pitchFamily="34" charset="-122"/>
+              </a:rPr>
+              <a:t>RF</a:t>
+            </a:r>
+            <a:r>
+              <a:rPr lang="zh-CN" altLang="en-US" sz="1000" dirty="0">
+                <a:latin typeface="微软雅黑" panose="020B0503020204020204" pitchFamily="34" charset="-122"/>
+                <a:ea typeface="微软雅黑" panose="020B0503020204020204" pitchFamily="34" charset="-122"/>
+              </a:rPr>
+              <a:t>信号链的带宽很大程度上取决于其模拟前端，以及高速模数转换器或数模转换器的采样速率和带宽</a:t>
+            </a:r>
+            <a:endParaRPr lang="en-US" altLang="zh-CN" sz="1000" dirty="0">
+              <a:latin typeface="微软雅黑" panose="020B0503020204020204" pitchFamily="34" charset="-122"/>
+              <a:ea typeface="微软雅黑" panose="020B0503020204020204" pitchFamily="34" charset="-122"/>
+            </a:endParaRPr>
+          </a:p>
+          <a:p>
+            <a:r>
+              <a:rPr lang="en-US" altLang="zh-CN" sz="1000" dirty="0">
+                <a:latin typeface="微软雅黑" panose="020B0503020204020204" pitchFamily="34" charset="-122"/>
+                <a:ea typeface="微软雅黑" panose="020B0503020204020204" pitchFamily="34" charset="-122"/>
+              </a:rPr>
+              <a:t>Instantaneous Bandwidth</a:t>
+            </a:r>
+            <a:r>
+              <a:rPr lang="zh-CN" altLang="en-US" sz="1000" dirty="0">
+                <a:latin typeface="微软雅黑" panose="020B0503020204020204" pitchFamily="34" charset="-122"/>
+                <a:ea typeface="微软雅黑" panose="020B0503020204020204" pitchFamily="34" charset="-122"/>
+              </a:rPr>
+              <a:t>，瞬时带宽</a:t>
+            </a:r>
+            <a:endParaRPr lang="en-US" altLang="zh-CN" sz="1000" dirty="0">
+              <a:latin typeface="微软雅黑" panose="020B0503020204020204" pitchFamily="34" charset="-122"/>
+              <a:ea typeface="微软雅黑" panose="020B0503020204020204" pitchFamily="34" charset="-122"/>
+            </a:endParaRPr>
+          </a:p>
+          <a:p>
+            <a:r>
+              <a:rPr lang="en-US" altLang="zh-CN" sz="1000" dirty="0">
+                <a:latin typeface="微软雅黑" panose="020B0503020204020204" pitchFamily="34" charset="-122"/>
+                <a:ea typeface="微软雅黑" panose="020B0503020204020204" pitchFamily="34" charset="-122"/>
+              </a:rPr>
+              <a:t>Operating Bandwidth</a:t>
+            </a:r>
+            <a:r>
+              <a:rPr lang="zh-CN" altLang="en-US" sz="1000" dirty="0">
+                <a:latin typeface="微软雅黑" panose="020B0503020204020204" pitchFamily="34" charset="-122"/>
+                <a:ea typeface="微软雅黑" panose="020B0503020204020204" pitchFamily="34" charset="-122"/>
+              </a:rPr>
+              <a:t>，工作带宽</a:t>
+            </a:r>
+            <a:endParaRPr lang="en-US" altLang="zh-CN" sz="1000" dirty="0">
+              <a:latin typeface="微软雅黑" panose="020B0503020204020204" pitchFamily="34" charset="-122"/>
+              <a:ea typeface="微软雅黑" panose="020B0503020204020204" pitchFamily="34" charset="-122"/>
+            </a:endParaRPr>
+          </a:p>
+          <a:p>
+            <a:r>
+              <a:rPr lang="en-US" altLang="zh-CN" sz="1000" dirty="0">
+                <a:latin typeface="微软雅黑" panose="020B0503020204020204" pitchFamily="34" charset="-122"/>
+                <a:ea typeface="微软雅黑" panose="020B0503020204020204" pitchFamily="34" charset="-122"/>
+              </a:rPr>
+              <a:t>Occupied Bandwidth</a:t>
+            </a:r>
+            <a:r>
+              <a:rPr lang="zh-CN" altLang="en-US" sz="1000" dirty="0">
+                <a:latin typeface="微软雅黑" panose="020B0503020204020204" pitchFamily="34" charset="-122"/>
+                <a:ea typeface="微软雅黑" panose="020B0503020204020204" pitchFamily="34" charset="-122"/>
+              </a:rPr>
+              <a:t>，占用带宽，华为</a:t>
+            </a:r>
+            <a:r>
+              <a:rPr lang="en-US" altLang="zh-CN" sz="1000" dirty="0">
+                <a:latin typeface="微软雅黑" panose="020B0503020204020204" pitchFamily="34" charset="-122"/>
+                <a:ea typeface="微软雅黑" panose="020B0503020204020204" pitchFamily="34" charset="-122"/>
+              </a:rPr>
+              <a:t>FDD</a:t>
+            </a:r>
+            <a:r>
+              <a:rPr lang="zh-CN" altLang="en-US" dirty="0">
+                <a:latin typeface="微软雅黑" panose="020B0503020204020204" pitchFamily="34" charset="-122"/>
+                <a:ea typeface="微软雅黑" panose="020B0503020204020204" pitchFamily="34" charset="-122"/>
+              </a:rPr>
+              <a:t>产品无</a:t>
+            </a:r>
+            <a:r>
+              <a:rPr lang="en-US" altLang="zh-CN" dirty="0">
+                <a:latin typeface="微软雅黑" panose="020B0503020204020204" pitchFamily="34" charset="-122"/>
+                <a:ea typeface="微软雅黑" panose="020B0503020204020204" pitchFamily="34" charset="-122"/>
+              </a:rPr>
+              <a:t>OBW</a:t>
+            </a:r>
+            <a:r>
+              <a:rPr lang="zh-CN" altLang="en-US" dirty="0">
+                <a:latin typeface="微软雅黑" panose="020B0503020204020204" pitchFamily="34" charset="-122"/>
+                <a:ea typeface="微软雅黑" panose="020B0503020204020204" pitchFamily="34" charset="-122"/>
+              </a:rPr>
+              <a:t>指标</a:t>
+            </a:r>
+            <a:endParaRPr lang="en-US" altLang="zh-CN" dirty="0">
+              <a:latin typeface="微软雅黑" panose="020B0503020204020204" pitchFamily="34" charset="-122"/>
+              <a:ea typeface="微软雅黑" panose="020B0503020204020204" pitchFamily="34" charset="-122"/>
+            </a:endParaRPr>
+          </a:p>
+          <a:p>
+            <a:endParaRPr lang="en-US" altLang="zh-CN" sz="1000" dirty="0">
+              <a:latin typeface="微软雅黑" panose="020B0503020204020204" pitchFamily="34" charset="-122"/>
+              <a:ea typeface="微软雅黑" panose="020B0503020204020204" pitchFamily="34" charset="-122"/>
+            </a:endParaRPr>
+          </a:p>
+          <a:p>
+            <a:endParaRPr lang="en-US" altLang="zh-CN" dirty="0">
+              <a:latin typeface="微软雅黑" panose="020B0503020204020204" pitchFamily="34" charset="-122"/>
+              <a:ea typeface="微软雅黑" panose="020B0503020204020204" pitchFamily="34" charset="-122"/>
+            </a:endParaRPr>
+          </a:p>
+          <a:p>
+            <a:pPr marL="171450" indent="-171450">
+              <a:buFont typeface="Arial" panose="020B0604020202020204" pitchFamily="34" charset="0"/>
+              <a:buChar char="•"/>
+            </a:pPr>
+            <a:r>
+              <a:rPr lang="zh-CN" altLang="en-US" sz="1000" b="1" dirty="0"/>
+              <a:t>频率范围和带宽</a:t>
+            </a:r>
+            <a:endParaRPr lang="en-US" altLang="zh-CN" sz="1000" b="1" dirty="0"/>
+          </a:p>
+          <a:p>
+            <a:r>
+              <a:rPr lang="en-US" altLang="zh-CN" sz="1000" dirty="0"/>
+              <a:t>3 dB</a:t>
+            </a:r>
+            <a:r>
+              <a:rPr lang="zh-CN" altLang="en-US" sz="1000" dirty="0"/>
+              <a:t>带宽：信号功率电平超过其最大值一半的频率范围。</a:t>
+            </a:r>
+          </a:p>
+          <a:p>
+            <a:r>
+              <a:rPr lang="zh-CN" altLang="en-US" sz="1000" dirty="0"/>
+              <a:t>瞬时带宽</a:t>
+            </a:r>
+            <a:r>
+              <a:rPr lang="en-US" altLang="zh-CN" sz="1000" dirty="0"/>
+              <a:t>(IBW)</a:t>
+            </a:r>
+            <a:r>
+              <a:rPr lang="zh-CN" altLang="en-US" sz="1000" dirty="0"/>
+              <a:t>或实时带宽：系统在不需要重新调谐的情况下能够产生或获取的最大连续带宽。</a:t>
+            </a:r>
+          </a:p>
+          <a:p>
+            <a:r>
+              <a:rPr lang="zh-CN" altLang="en-US" sz="1000" dirty="0"/>
+              <a:t>占用带宽</a:t>
+            </a:r>
+            <a:r>
+              <a:rPr lang="en-US" altLang="zh-CN" sz="1000" dirty="0"/>
+              <a:t>(OBW)</a:t>
+            </a:r>
+            <a:r>
+              <a:rPr lang="zh-CN" altLang="en-US" sz="1000" dirty="0"/>
+              <a:t>：</a:t>
+            </a:r>
+            <a:r>
+              <a:rPr lang="en-US" altLang="zh-CN" sz="1000" dirty="0"/>
+              <a:t>Occupied BW</a:t>
+            </a:r>
+            <a:r>
+              <a:rPr lang="zh-CN" altLang="en-US" sz="1000" dirty="0"/>
+              <a:t>，包含总集成信号功率特定百分比的频率范围。</a:t>
+            </a:r>
+          </a:p>
+          <a:p>
+            <a:r>
+              <a:rPr lang="zh-CN" altLang="en-US" sz="1000" dirty="0"/>
+              <a:t>分辨率带宽</a:t>
+            </a:r>
+            <a:r>
+              <a:rPr lang="en-US" altLang="zh-CN" sz="1000" dirty="0"/>
+              <a:t>(RBW)</a:t>
+            </a:r>
+            <a:r>
+              <a:rPr lang="zh-CN" altLang="en-US" sz="1000" dirty="0"/>
+              <a:t>：指两个频率分量（可继续分解）之间的最小间隔。例如，在频谱分析仪系统中，它是最终滤波器级的频率范围。</a:t>
+            </a:r>
+            <a:endParaRPr lang="en-US" altLang="zh-CN" sz="1000" dirty="0"/>
+          </a:p>
+          <a:p>
+            <a:endParaRPr lang="en-US" altLang="zh-CN" sz="1000" dirty="0">
+              <a:latin typeface="微软雅黑" panose="020B0503020204020204" pitchFamily="34" charset="-122"/>
+              <a:ea typeface="微软雅黑" panose="020B0503020204020204" pitchFamily="34" charset="-122"/>
+            </a:endParaRPr>
+          </a:p>
+          <a:p>
+            <a:endParaRPr lang="zh-CN" altLang="en-US" dirty="0"/>
+          </a:p>
+        </p:txBody>
+      </p:sp>
+      <p:pic>
+        <p:nvPicPr>
+          <p:cNvPr id="4" name="Picture 6">
+            <a:extLst>
+              <a:ext uri="{FF2B5EF4-FFF2-40B4-BE49-F238E27FC236}">
+                <a16:creationId xmlns:a16="http://schemas.microsoft.com/office/drawing/2014/main" id="{211E98F2-FA8B-9771-1F33-384F611EE05A}"/>
+              </a:ext>
+            </a:extLst>
+          </p:cNvPr>
+          <p:cNvPicPr>
+            <a:picLocks noChangeAspect="1" noChangeArrowheads="1"/>
+          </p:cNvPicPr>
+          <p:nvPr/>
+        </p:nvPicPr>
+        <p:blipFill>
+          <a:blip r:embed="rId2">
+            <a:extLst>
+              <a:ext uri="{28A0092B-C50C-407E-A947-70E740481C1C}">
+                <a14:useLocalDpi xmlns:a14="http://schemas.microsoft.com/office/drawing/2010/main" val="0"/>
+              </a:ext>
+            </a:extLst>
+          </a:blip>
+          <a:srcRect/>
+          <a:stretch>
+            <a:fillRect/>
+          </a:stretch>
+        </p:blipFill>
+        <p:spPr bwMode="auto">
+          <a:xfrm>
+            <a:off x="5343344" y="1435608"/>
+            <a:ext cx="3785219" cy="1809335"/>
+          </a:xfrm>
+          <a:prstGeom prst="rect">
+            <a:avLst/>
+          </a:prstGeom>
+          <a:noFill/>
+          <a:extLst>
+            <a:ext uri="{909E8E84-426E-40DD-AFC4-6F175D3DCCD1}">
+              <a14:hiddenFill xmlns:a14="http://schemas.microsoft.com/office/drawing/2010/main">
+                <a:solidFill>
+                  <a:srgbClr val="FFFFFF"/>
+                </a:solidFill>
+              </a14:hiddenFill>
+            </a:ext>
+          </a:extLst>
+        </p:spPr>
+      </p:pic>
+    </p:spTree>
+    <p:extLst>
+      <p:ext uri="{BB962C8B-B14F-4D97-AF65-F5344CB8AC3E}">
+        <p14:creationId xmlns:p14="http://schemas.microsoft.com/office/powerpoint/2010/main" val="951404849"/>
+      </p:ext>
+    </p:extLst>
+  </p:cSld>
+  <p:clrMapOvr>
+    <a:masterClrMapping/>
+  </p:clrMapOvr>
+</p:sld>
+</file>
+
+<file path=ppt/slides/slide4.xml><?xml version="1.0" encoding="utf-8"?>
+<p:sld xmlns:a="http://schemas.openxmlformats.org/drawingml/2006/main" xmlns:r="http://schemas.openxmlformats.org/officeDocument/2006/relationships" xmlns:p="http://schemas.openxmlformats.org/presentationml/2006/main">
+  <p:cSld>
+    <p:spTree>
+      <p:nvGrpSpPr>
+        <p:cNvPr id="1" name=""/>
+        <p:cNvGrpSpPr/>
+        <p:nvPr/>
+      </p:nvGrpSpPr>
+      <p:grpSpPr>
+        <a:xfrm>
+          <a:off x="0" y="0"/>
+          <a:ext cx="0" cy="0"/>
+          <a:chOff x="0" y="0"/>
+          <a:chExt cx="0" cy="0"/>
+        </a:xfrm>
+      </p:grpSpPr>
+      <p:sp>
+        <p:nvSpPr>
+          <p:cNvPr id="2" name="标题 1">
+            <a:extLst>
+              <a:ext uri="{FF2B5EF4-FFF2-40B4-BE49-F238E27FC236}">
                 <a16:creationId xmlns:a16="http://schemas.microsoft.com/office/drawing/2014/main" id="{EF7D2419-22BA-4DCF-9F77-DFFCA599B94E}"/>
               </a:ext>
             </a:extLst>
@@ -4632,7 +4533,11 @@
           <a:lstStyle/>
           <a:p>
             <a:r>
-              <a:rPr lang="zh-CN" altLang="en-US" dirty="0"/>
+              <a:rPr lang="zh-CN" altLang="en-US" b="1" dirty="0">
+                <a:solidFill>
+                  <a:srgbClr val="0070C0"/>
+                </a:solidFill>
+              </a:rPr>
               <a:t>非线性</a:t>
             </a:r>
           </a:p>
@@ -6262,7 +6167,7 @@
         <p:spPr>
           <a:xfrm>
             <a:off x="8473476" y="1301230"/>
-            <a:ext cx="2971799" cy="2712181"/>
+            <a:ext cx="3175050" cy="2897676"/>
           </a:xfrm>
           <a:prstGeom prst="rect">
             <a:avLst/>
@@ -6348,7 +6253,7 @@
 </p:sld>
 </file>
 
-<file path=ppt/slides/slide4.xml><?xml version="1.0" encoding="utf-8"?>
+<file path=ppt/slides/slide5.xml><?xml version="1.0" encoding="utf-8"?>
 <p:sld xmlns:a="http://schemas.openxmlformats.org/drawingml/2006/main" xmlns:r="http://schemas.openxmlformats.org/officeDocument/2006/relationships" xmlns:p="http://schemas.openxmlformats.org/presentationml/2006/main">
   <p:cSld>
     <p:spTree>
@@ -6387,8 +6292,12 @@
           <a:lstStyle/>
           <a:p>
             <a:r>
-              <a:rPr lang="en-US" altLang="zh-CN" dirty="0"/>
-              <a:t>IP3</a:t>
+              <a:rPr lang="zh-CN" altLang="en-US" b="1" dirty="0">
+                <a:solidFill>
+                  <a:srgbClr val="0070C0"/>
+                </a:solidFill>
+              </a:rPr>
+              <a:t>非线性</a:t>
             </a:r>
             <a:endParaRPr lang="zh-CN" altLang="en-US" dirty="0"/>
           </a:p>
@@ -13984,7 +13893,7 @@
 </p:sld>
 </file>
 
-<file path=ppt/slides/slide5.xml><?xml version="1.0" encoding="utf-8"?>
+<file path=ppt/slides/slide6.xml><?xml version="1.0" encoding="utf-8"?>
 <p:sld xmlns:a="http://schemas.openxmlformats.org/drawingml/2006/main" xmlns:r="http://schemas.openxmlformats.org/officeDocument/2006/relationships" xmlns:p="http://schemas.openxmlformats.org/presentationml/2006/main">
   <p:cSld>
     <p:spTree>
@@ -14023,8 +13932,12 @@
           <a:lstStyle/>
           <a:p>
             <a:r>
-              <a:rPr lang="en-US" altLang="zh-CN" dirty="0"/>
-              <a:t>IP3</a:t>
+              <a:rPr lang="zh-CN" altLang="en-US" b="1">
+                <a:solidFill>
+                  <a:srgbClr val="0070C0"/>
+                </a:solidFill>
+              </a:rPr>
+              <a:t>非线性</a:t>
             </a:r>
             <a:endParaRPr lang="zh-CN" altLang="en-US" dirty="0"/>
           </a:p>
@@ -26609,6 +26522,15 @@
 </file>
 
 <file path=customXml/item2.xml><?xml version="1.0" encoding="utf-8"?>
+<p:properties xmlns:p="http://schemas.microsoft.com/office/2006/metadata/properties" xmlns:xsi="http://www.w3.org/2001/XMLSchema-instance" xmlns:pc="http://schemas.microsoft.com/office/infopath/2007/PartnerControls">
+  <documentManagement>
+    <Status xmlns="71af3243-3dd4-4a8d-8c0d-dd76da1f02a5">Not started</Status>
+    <MediaServiceKeyPoints xmlns="71af3243-3dd4-4a8d-8c0d-dd76da1f02a5" xsi:nil="true"/>
+  </documentManagement>
+</p:properties>
+</file>
+
+<file path=customXml/item3.xml><?xml version="1.0" encoding="utf-8"?>
 <ct:contentTypeSchema xmlns:ct="http://schemas.microsoft.com/office/2006/metadata/contentType" xmlns:ma="http://schemas.microsoft.com/office/2006/metadata/properties/metaAttributes" ct:_="" ma:_="" ma:contentTypeName="Document" ma:contentTypeID="0x01010079F111ED35F8CC479449609E8A0923A6" ma:contentTypeVersion="12" ma:contentTypeDescription="Create a new document." ma:contentTypeScope="" ma:versionID="a8a52e8c320b9a064ae3583ae3861c92">
   <xsd:schema xmlns:xsd="http://www.w3.org/2001/XMLSchema" xmlns:xs="http://www.w3.org/2001/XMLSchema" xmlns:p="http://schemas.microsoft.com/office/2006/metadata/properties" xmlns:ns2="71af3243-3dd4-4a8d-8c0d-dd76da1f02a5" xmlns:ns3="16c05727-aa75-4e4a-9b5f-8a80a1165891" targetNamespace="http://schemas.microsoft.com/office/2006/metadata/properties" ma:root="true" ma:fieldsID="88020cb39231a0945110f9cd888b521a" ns2:_="" ns3:_="">
     <xsd:import namespace="71af3243-3dd4-4a8d-8c0d-dd76da1f02a5"/>
@@ -26829,15 +26751,6 @@
 </ct:contentTypeSchema>
 </file>
 
-<file path=customXml/item3.xml><?xml version="1.0" encoding="utf-8"?>
-<p:properties xmlns:p="http://schemas.microsoft.com/office/2006/metadata/properties" xmlns:xsi="http://www.w3.org/2001/XMLSchema-instance" xmlns:pc="http://schemas.microsoft.com/office/infopath/2007/PartnerControls">
-  <documentManagement>
-    <Status xmlns="71af3243-3dd4-4a8d-8c0d-dd76da1f02a5">Not started</Status>
-    <MediaServiceKeyPoints xmlns="71af3243-3dd4-4a8d-8c0d-dd76da1f02a5" xsi:nil="true"/>
-  </documentManagement>
-</p:properties>
-</file>
-
 <file path=customXml/itemProps1.xml><?xml version="1.0" encoding="utf-8"?>
 <ds:datastoreItem xmlns:ds="http://schemas.openxmlformats.org/officeDocument/2006/customXml" ds:itemID="{7EE8C63A-4744-4DE4-BB49-0FF0B5375C60}">
   <ds:schemaRefs>
@@ -26847,6 +26760,23 @@
 </file>
 
 <file path=customXml/itemProps2.xml><?xml version="1.0" encoding="utf-8"?>
+<ds:datastoreItem xmlns:ds="http://schemas.openxmlformats.org/officeDocument/2006/customXml" ds:itemID="{950072C5-DDE0-4258-BA7A-4D4B80DFA632}">
+  <ds:schemaRefs>
+    <ds:schemaRef ds:uri="71af3243-3dd4-4a8d-8c0d-dd76da1f02a5"/>
+    <ds:schemaRef ds:uri="http://purl.org/dc/elements/1.1/"/>
+    <ds:schemaRef ds:uri="16c05727-aa75-4e4a-9b5f-8a80a1165891"/>
+    <ds:schemaRef ds:uri="http://purl.org/dc/dcmitype/"/>
+    <ds:schemaRef ds:uri="http://schemas.microsoft.com/office/2006/documentManagement/types"/>
+    <ds:schemaRef ds:uri="http://www.w3.org/XML/1998/namespace"/>
+    <ds:schemaRef ds:uri="http://schemas.microsoft.com/office/infopath/2007/PartnerControls"/>
+    <ds:schemaRef ds:uri="http://schemas.openxmlformats.org/package/2006/metadata/core-properties"/>
+    <ds:schemaRef ds:uri="http://schemas.microsoft.com/office/2006/metadata/properties"/>
+    <ds:schemaRef ds:uri="http://purl.org/dc/terms/"/>
+  </ds:schemaRefs>
+</ds:datastoreItem>
+</file>
+
+<file path=customXml/itemProps3.xml><?xml version="1.0" encoding="utf-8"?>
 <ds:datastoreItem xmlns:ds="http://schemas.openxmlformats.org/officeDocument/2006/customXml" ds:itemID="{FD7FC771-7DFE-49DA-B577-71181BFBCB2E}">
   <ds:schemaRefs>
     <ds:schemaRef ds:uri="http://schemas.microsoft.com/office/2006/metadata/contentType"/>
@@ -26863,21 +26793,4 @@
     <ds:schemaRef ds:uri="http://schemas.microsoft.com/internal/obd"/>
   </ds:schemaRefs>
 </ds:datastoreItem>
-</file>
-
-<file path=customXml/itemProps3.xml><?xml version="1.0" encoding="utf-8"?>
-<ds:datastoreItem xmlns:ds="http://schemas.openxmlformats.org/officeDocument/2006/customXml" ds:itemID="{950072C5-DDE0-4258-BA7A-4D4B80DFA632}">
-  <ds:schemaRefs>
-    <ds:schemaRef ds:uri="71af3243-3dd4-4a8d-8c0d-dd76da1f02a5"/>
-    <ds:schemaRef ds:uri="http://purl.org/dc/elements/1.1/"/>
-    <ds:schemaRef ds:uri="16c05727-aa75-4e4a-9b5f-8a80a1165891"/>
-    <ds:schemaRef ds:uri="http://purl.org/dc/dcmitype/"/>
-    <ds:schemaRef ds:uri="http://schemas.microsoft.com/office/2006/documentManagement/types"/>
-    <ds:schemaRef ds:uri="http://www.w3.org/XML/1998/namespace"/>
-    <ds:schemaRef ds:uri="http://schemas.microsoft.com/office/infopath/2007/PartnerControls"/>
-    <ds:schemaRef ds:uri="http://schemas.openxmlformats.org/package/2006/metadata/core-properties"/>
-    <ds:schemaRef ds:uri="http://schemas.microsoft.com/office/2006/metadata/properties"/>
-    <ds:schemaRef ds:uri="http://purl.org/dc/terms/"/>
-  </ds:schemaRefs>
-</ds:datastoreItem>
 </file>
--- a/HARDWARE/01 射频/01 射频基本概念/射频基本概念总结.pptx
+++ b/HARDWARE/01 射频/01 射频基本概念/射频基本概念总结.pptx
@@ -2975,8 +2975,8 @@
           </a:p>
         </p:txBody>
       </p:sp>
-      <mc:AlternateContent xmlns:mc="http://schemas.openxmlformats.org/markup-compatibility/2006">
-        <mc:Choice xmlns:a14="http://schemas.microsoft.com/office/drawing/2010/main" Requires="a14">
+      <mc:AlternateContent xmlns:mc="http://schemas.openxmlformats.org/markup-compatibility/2006" xmlns:a14="http://schemas.microsoft.com/office/drawing/2010/main">
+        <mc:Choice Requires="a14">
           <p:sp>
             <p:nvSpPr>
               <p:cNvPr id="3" name="内容占位符 2">
@@ -4056,7 +4056,7 @@
             </p:txBody>
           </p:sp>
         </mc:Choice>
-        <mc:Fallback>
+        <mc:Fallback xmlns="">
           <p:sp>
             <p:nvSpPr>
               <p:cNvPr id="3" name="内容占位符 2">
@@ -4128,8 +4128,8 @@
         </p:blipFill>
         <p:spPr>
           <a:xfrm>
-            <a:off x="5569754" y="2561099"/>
-            <a:ext cx="3516602" cy="1450670"/>
+            <a:off x="5376570" y="2477387"/>
+            <a:ext cx="3766359" cy="1553700"/>
           </a:xfrm>
           <a:prstGeom prst="rect">
             <a:avLst/>
@@ -26513,21 +26513,21 @@
 </file>
 
 <file path=customXml/item1.xml><?xml version="1.0" encoding="utf-8"?>
+<p:properties xmlns:p="http://schemas.microsoft.com/office/2006/metadata/properties" xmlns:xsi="http://www.w3.org/2001/XMLSchema-instance" xmlns:pc="http://schemas.microsoft.com/office/infopath/2007/PartnerControls">
+  <documentManagement>
+    <Status xmlns="71af3243-3dd4-4a8d-8c0d-dd76da1f02a5">Not started</Status>
+    <MediaServiceKeyPoints xmlns="71af3243-3dd4-4a8d-8c0d-dd76da1f02a5" xsi:nil="true"/>
+  </documentManagement>
+</p:properties>
+</file>
+
+<file path=customXml/item2.xml><?xml version="1.0" encoding="utf-8"?>
 <?mso-contentType ?>
 <FormTemplates xmlns="http://schemas.microsoft.com/sharepoint/v3/contenttype/forms">
   <Display>DocumentLibraryForm</Display>
   <Edit>DocumentLibraryForm</Edit>
   <New>DocumentLibraryForm</New>
 </FormTemplates>
-</file>
-
-<file path=customXml/item2.xml><?xml version="1.0" encoding="utf-8"?>
-<p:properties xmlns:p="http://schemas.microsoft.com/office/2006/metadata/properties" xmlns:xsi="http://www.w3.org/2001/XMLSchema-instance" xmlns:pc="http://schemas.microsoft.com/office/infopath/2007/PartnerControls">
-  <documentManagement>
-    <Status xmlns="71af3243-3dd4-4a8d-8c0d-dd76da1f02a5">Not started</Status>
-    <MediaServiceKeyPoints xmlns="71af3243-3dd4-4a8d-8c0d-dd76da1f02a5" xsi:nil="true"/>
-  </documentManagement>
-</p:properties>
 </file>
 
 <file path=customXml/item3.xml><?xml version="1.0" encoding="utf-8"?>
@@ -26752,14 +26752,6 @@
 </file>
 
 <file path=customXml/itemProps1.xml><?xml version="1.0" encoding="utf-8"?>
-<ds:datastoreItem xmlns:ds="http://schemas.openxmlformats.org/officeDocument/2006/customXml" ds:itemID="{7EE8C63A-4744-4DE4-BB49-0FF0B5375C60}">
-  <ds:schemaRefs>
-    <ds:schemaRef ds:uri="http://schemas.microsoft.com/sharepoint/v3/contenttype/forms"/>
-  </ds:schemaRefs>
-</ds:datastoreItem>
-</file>
-
-<file path=customXml/itemProps2.xml><?xml version="1.0" encoding="utf-8"?>
 <ds:datastoreItem xmlns:ds="http://schemas.openxmlformats.org/officeDocument/2006/customXml" ds:itemID="{950072C5-DDE0-4258-BA7A-4D4B80DFA632}">
   <ds:schemaRefs>
     <ds:schemaRef ds:uri="71af3243-3dd4-4a8d-8c0d-dd76da1f02a5"/>
@@ -26772,6 +26764,14 @@
     <ds:schemaRef ds:uri="http://schemas.openxmlformats.org/package/2006/metadata/core-properties"/>
     <ds:schemaRef ds:uri="http://schemas.microsoft.com/office/2006/metadata/properties"/>
     <ds:schemaRef ds:uri="http://purl.org/dc/terms/"/>
+  </ds:schemaRefs>
+</ds:datastoreItem>
+</file>
+
+<file path=customXml/itemProps2.xml><?xml version="1.0" encoding="utf-8"?>
+<ds:datastoreItem xmlns:ds="http://schemas.openxmlformats.org/officeDocument/2006/customXml" ds:itemID="{7EE8C63A-4744-4DE4-BB49-0FF0B5375C60}">
+  <ds:schemaRefs>
+    <ds:schemaRef ds:uri="http://schemas.microsoft.com/sharepoint/v3/contenttype/forms"/>
   </ds:schemaRefs>
 </ds:datastoreItem>
 </file>
